--- a/infographic.pptx
+++ b/infographic.pptx
@@ -107,6 +107,11 @@
       </a:defRPr>
     </a:lvl9pPr>
   </p:defaultTextStyle>
+  <p:extLst>
+    <p:ext uri="{EFAFB233-063F-42B5-8137-9DF3F51BA10A}">
+      <p15:sldGuideLst xmlns:p15="http://schemas.microsoft.com/office/powerpoint/2012/main"/>
+    </p:ext>
+  </p:extLst>
 </p:presentation>
 </file>
 
@@ -680,7 +685,7 @@
           <a:p>
             <a:fld id="{3C9C66CE-D1AB-C940-81F2-16A826B2B5D4}" type="datetimeFigureOut">
               <a:rPr lang="en-TW" smtClean="0"/>
-              <a:t>2020/10/27</a:t>
+              <a:t>2020/10/28</a:t>
             </a:fld>
             <a:endParaRPr lang="en-TW"/>
           </a:p>
@@ -850,7 +855,7 @@
           <a:p>
             <a:fld id="{3C9C66CE-D1AB-C940-81F2-16A826B2B5D4}" type="datetimeFigureOut">
               <a:rPr lang="en-TW" smtClean="0"/>
-              <a:t>2020/10/27</a:t>
+              <a:t>2020/10/28</a:t>
             </a:fld>
             <a:endParaRPr lang="en-TW"/>
           </a:p>
@@ -1030,7 +1035,7 @@
           <a:p>
             <a:fld id="{3C9C66CE-D1AB-C940-81F2-16A826B2B5D4}" type="datetimeFigureOut">
               <a:rPr lang="en-TW" smtClean="0"/>
-              <a:t>2020/10/27</a:t>
+              <a:t>2020/10/28</a:t>
             </a:fld>
             <a:endParaRPr lang="en-TW"/>
           </a:p>
@@ -1200,7 +1205,7 @@
           <a:p>
             <a:fld id="{3C9C66CE-D1AB-C940-81F2-16A826B2B5D4}" type="datetimeFigureOut">
               <a:rPr lang="en-TW" smtClean="0"/>
-              <a:t>2020/10/27</a:t>
+              <a:t>2020/10/28</a:t>
             </a:fld>
             <a:endParaRPr lang="en-TW"/>
           </a:p>
@@ -1444,7 +1449,7 @@
           <a:p>
             <a:fld id="{3C9C66CE-D1AB-C940-81F2-16A826B2B5D4}" type="datetimeFigureOut">
               <a:rPr lang="en-TW" smtClean="0"/>
-              <a:t>2020/10/27</a:t>
+              <a:t>2020/10/28</a:t>
             </a:fld>
             <a:endParaRPr lang="en-TW"/>
           </a:p>
@@ -1676,7 +1681,7 @@
           <a:p>
             <a:fld id="{3C9C66CE-D1AB-C940-81F2-16A826B2B5D4}" type="datetimeFigureOut">
               <a:rPr lang="en-TW" smtClean="0"/>
-              <a:t>2020/10/27</a:t>
+              <a:t>2020/10/28</a:t>
             </a:fld>
             <a:endParaRPr lang="en-TW"/>
           </a:p>
@@ -2043,7 +2048,7 @@
           <a:p>
             <a:fld id="{3C9C66CE-D1AB-C940-81F2-16A826B2B5D4}" type="datetimeFigureOut">
               <a:rPr lang="en-TW" smtClean="0"/>
-              <a:t>2020/10/27</a:t>
+              <a:t>2020/10/28</a:t>
             </a:fld>
             <a:endParaRPr lang="en-TW"/>
           </a:p>
@@ -2161,7 +2166,7 @@
           <a:p>
             <a:fld id="{3C9C66CE-D1AB-C940-81F2-16A826B2B5D4}" type="datetimeFigureOut">
               <a:rPr lang="en-TW" smtClean="0"/>
-              <a:t>2020/10/27</a:t>
+              <a:t>2020/10/28</a:t>
             </a:fld>
             <a:endParaRPr lang="en-TW"/>
           </a:p>
@@ -2256,7 +2261,7 @@
           <a:p>
             <a:fld id="{3C9C66CE-D1AB-C940-81F2-16A826B2B5D4}" type="datetimeFigureOut">
               <a:rPr lang="en-TW" smtClean="0"/>
-              <a:t>2020/10/27</a:t>
+              <a:t>2020/10/28</a:t>
             </a:fld>
             <a:endParaRPr lang="en-TW"/>
           </a:p>
@@ -2533,7 +2538,7 @@
           <a:p>
             <a:fld id="{3C9C66CE-D1AB-C940-81F2-16A826B2B5D4}" type="datetimeFigureOut">
               <a:rPr lang="en-TW" smtClean="0"/>
-              <a:t>2020/10/27</a:t>
+              <a:t>2020/10/28</a:t>
             </a:fld>
             <a:endParaRPr lang="en-TW"/>
           </a:p>
@@ -2790,7 +2795,7 @@
           <a:p>
             <a:fld id="{3C9C66CE-D1AB-C940-81F2-16A826B2B5D4}" type="datetimeFigureOut">
               <a:rPr lang="en-TW" smtClean="0"/>
-              <a:t>2020/10/27</a:t>
+              <a:t>2020/10/28</a:t>
             </a:fld>
             <a:endParaRPr lang="en-TW"/>
           </a:p>
@@ -3003,7 +3008,7 @@
           <a:p>
             <a:fld id="{3C9C66CE-D1AB-C940-81F2-16A826B2B5D4}" type="datetimeFigureOut">
               <a:rPr lang="en-TW" smtClean="0"/>
-              <a:t>2020/10/27</a:t>
+              <a:t>2020/10/28</a:t>
             </a:fld>
             <a:endParaRPr lang="en-TW"/>
           </a:p>
@@ -5221,7 +5226,7 @@
         </p:nvSpPr>
         <p:spPr>
           <a:xfrm>
-            <a:off x="8454025" y="15784817"/>
+            <a:off x="8454025" y="15985985"/>
             <a:ext cx="3732112" cy="707886"/>
           </a:xfrm>
           <a:prstGeom prst="rect">
@@ -5282,7 +5287,7 @@
         </p:nvSpPr>
         <p:spPr>
           <a:xfrm>
-            <a:off x="8477471" y="18507818"/>
+            <a:off x="8477471" y="18635834"/>
             <a:ext cx="3474028" cy="707886"/>
           </a:xfrm>
           <a:prstGeom prst="rect">
@@ -5326,6 +5331,162 @@
               </a:rPr>
               <a:t>significant</a:t>
             </a:r>
+          </a:p>
+        </p:txBody>
+      </p:sp>
+      <p:sp>
+        <p:nvSpPr>
+          <p:cNvPr id="42" name="TextBox 41">
+            <a:extLst>
+              <a:ext uri="{FF2B5EF4-FFF2-40B4-BE49-F238E27FC236}">
+                <a16:creationId xmlns:a16="http://schemas.microsoft.com/office/drawing/2014/main" id="{6B0F48CA-CE66-054E-AAA2-681364B4374B}"/>
+              </a:ext>
+            </a:extLst>
+          </p:cNvPr>
+          <p:cNvSpPr txBox="1"/>
+          <p:nvPr/>
+        </p:nvSpPr>
+        <p:spPr>
+          <a:xfrm>
+            <a:off x="8454025" y="15343870"/>
+            <a:ext cx="2800703" cy="707886"/>
+          </a:xfrm>
+          <a:prstGeom prst="rect">
+            <a:avLst/>
+          </a:prstGeom>
+          <a:noFill/>
+        </p:spPr>
+        <p:txBody>
+          <a:bodyPr wrap="none" rtlCol="0">
+            <a:spAutoFit/>
+          </a:bodyPr>
+          <a:lstStyle/>
+          <a:p>
+            <a:r>
+              <a:rPr lang="en-TW" sz="4000" dirty="0">
+                <a:solidFill>
+                  <a:schemeClr val="bg1"/>
+                </a:solidFill>
+                <a:latin typeface="Helvetica Neue LT Std 25 Ultra " panose="020B0303020202020204" pitchFamily="34" charset="0"/>
+                <a:ea typeface="Helvetica Neue Light" panose="02000403000000020004" pitchFamily="2" charset="0"/>
+              </a:rPr>
+              <a:t>|</a:t>
+            </a:r>
+            <a:r>
+              <a:rPr lang="en-TW" sz="2800" dirty="0">
+                <a:solidFill>
+                  <a:schemeClr val="bg1"/>
+                </a:solidFill>
+                <a:latin typeface="Helvetica Neue LT Std 25 Ultra " panose="020B0303020202020204" pitchFamily="34" charset="0"/>
+                <a:ea typeface="Helvetica Neue Light" panose="02000403000000020004" pitchFamily="2" charset="0"/>
+              </a:rPr>
+              <a:t> </a:t>
+            </a:r>
+            <a:r>
+              <a:rPr lang="en-TW" sz="2800" dirty="0">
+                <a:solidFill>
+                  <a:schemeClr val="bg1"/>
+                </a:solidFill>
+                <a:latin typeface="Helvetica Neue Light" panose="02000403000000020004" pitchFamily="2" charset="0"/>
+                <a:ea typeface="Helvetica Neue Light" panose="02000403000000020004" pitchFamily="2" charset="0"/>
+              </a:rPr>
+              <a:t>fail to reject</a:t>
+            </a:r>
+            <a:r>
+              <a:rPr lang="en-TW" sz="2800" dirty="0">
+                <a:solidFill>
+                  <a:schemeClr val="bg1"/>
+                </a:solidFill>
+                <a:latin typeface="Helvetica Neue LT Std 25 Ultra " panose="020B0303020202020204" pitchFamily="34" charset="0"/>
+                <a:ea typeface="Helvetica Neue Light" panose="02000403000000020004" pitchFamily="2" charset="0"/>
+              </a:rPr>
+              <a:t> null</a:t>
+            </a:r>
+            <a:endParaRPr lang="en-TW" sz="2800" dirty="0">
+              <a:solidFill>
+                <a:schemeClr val="bg1"/>
+              </a:solidFill>
+              <a:latin typeface="Helvetica Neue Light" panose="02000403000000020004" pitchFamily="2" charset="0"/>
+              <a:ea typeface="Helvetica Neue Light" panose="02000403000000020004" pitchFamily="2" charset="0"/>
+            </a:endParaRPr>
+          </a:p>
+        </p:txBody>
+      </p:sp>
+      <p:sp>
+        <p:nvSpPr>
+          <p:cNvPr id="43" name="TextBox 42">
+            <a:extLst>
+              <a:ext uri="{FF2B5EF4-FFF2-40B4-BE49-F238E27FC236}">
+                <a16:creationId xmlns:a16="http://schemas.microsoft.com/office/drawing/2014/main" id="{AED5F4C5-47B5-2F4B-8159-0002E07AD962}"/>
+              </a:ext>
+            </a:extLst>
+          </p:cNvPr>
+          <p:cNvSpPr txBox="1"/>
+          <p:nvPr/>
+        </p:nvSpPr>
+        <p:spPr>
+          <a:xfrm>
+            <a:off x="8478910" y="18019445"/>
+            <a:ext cx="1786002" cy="707886"/>
+          </a:xfrm>
+          <a:prstGeom prst="rect">
+            <a:avLst/>
+          </a:prstGeom>
+          <a:noFill/>
+        </p:spPr>
+        <p:txBody>
+          <a:bodyPr wrap="none" rtlCol="0">
+            <a:spAutoFit/>
+          </a:bodyPr>
+          <a:lstStyle/>
+          <a:p>
+            <a:r>
+              <a:rPr lang="en-TW" sz="4000" dirty="0">
+                <a:solidFill>
+                  <a:schemeClr val="bg1"/>
+                </a:solidFill>
+                <a:latin typeface="Helvetica Neue LT Std 25 Ultra " panose="020B0303020202020204" pitchFamily="34" charset="0"/>
+                <a:ea typeface="Helvetica Neue Light" panose="02000403000000020004" pitchFamily="2" charset="0"/>
+              </a:rPr>
+              <a:t>|</a:t>
+            </a:r>
+            <a:r>
+              <a:rPr lang="en-TW" sz="2800" dirty="0">
+                <a:solidFill>
+                  <a:schemeClr val="bg1"/>
+                </a:solidFill>
+                <a:latin typeface="Helvetica Neue LT Std 25 Ultra " panose="020B0303020202020204" pitchFamily="34" charset="0"/>
+                <a:ea typeface="Helvetica Neue Light" panose="02000403000000020004" pitchFamily="2" charset="0"/>
+              </a:rPr>
+              <a:t> </a:t>
+            </a:r>
+            <a:r>
+              <a:rPr lang="en-TW" sz="2800" dirty="0">
+                <a:solidFill>
+                  <a:schemeClr val="bg1"/>
+                </a:solidFill>
+                <a:latin typeface="Helvetica Neue Light" panose="02000403000000020004" pitchFamily="2" charset="0"/>
+                <a:ea typeface="Helvetica Neue Light" panose="02000403000000020004" pitchFamily="2" charset="0"/>
+              </a:rPr>
+              <a:t>reject</a:t>
+            </a:r>
+            <a:r>
+              <a:rPr lang="en-TW" sz="2800" dirty="0">
+                <a:solidFill>
+                  <a:schemeClr val="bg1"/>
+                </a:solidFill>
+                <a:latin typeface="Helvetica Neue LT Std 25 Ultra " panose="020B0303020202020204" pitchFamily="34" charset="0"/>
+                <a:ea typeface="Helvetica Neue Light" panose="02000403000000020004" pitchFamily="2" charset="0"/>
+              </a:rPr>
+              <a:t> null</a:t>
+            </a:r>
+            <a:endParaRPr lang="en-TW" sz="2800" dirty="0">
+              <a:solidFill>
+                <a:schemeClr val="bg1"/>
+              </a:solidFill>
+              <a:latin typeface="Helvetica Neue Light" panose="02000403000000020004" pitchFamily="2" charset="0"/>
+              <a:ea typeface="Helvetica Neue Light" panose="02000403000000020004" pitchFamily="2" charset="0"/>
+            </a:endParaRPr>
           </a:p>
         </p:txBody>
       </p:sp>
